--- a/make_presentation/templates/templates/style/2.pptx
+++ b/make_presentation/templates/templates/style/2.pptx
@@ -63,7 +63,7 @@
         <p:txBody>
           <a:bodyPr/>
           <a:p>
-            <a:fld id="{7A4CB177-EB63-4511-9683-2EF4CC4247A8}" type="slidenum">
+            <a:fld id="{4F5EC32D-06DB-4A7F-AEF1-A2DD6FCC00B0}" type="slidenum">
               <a:t>&lt;#&gt;</a:t>
             </a:fld>
           </a:p>
@@ -251,7 +251,7 @@
         <p:txBody>
           <a:bodyPr/>
           <a:p>
-            <a:fld id="{3527C82E-BE61-4DC4-8DF0-A527E5BA2B06}" type="slidenum">
+            <a:fld id="{94E688C5-2834-4D19-B7EA-36694CFD6739}" type="slidenum">
               <a:t>&lt;#&gt;</a:t>
             </a:fld>
           </a:p>
@@ -507,7 +507,7 @@
         <p:txBody>
           <a:bodyPr/>
           <a:p>
-            <a:fld id="{8E10E466-D9F2-4FB5-8EDA-54CF8251FD5F}" type="slidenum">
+            <a:fld id="{D53E98D4-4088-4E2A-93F7-C442D7AF6315}" type="slidenum">
               <a:t>&lt;#&gt;</a:t>
             </a:fld>
           </a:p>
@@ -831,7 +831,7 @@
         <p:txBody>
           <a:bodyPr/>
           <a:p>
-            <a:fld id="{DEE1DC8F-948A-400F-8ED2-D76B7533CBD9}" type="slidenum">
+            <a:fld id="{F4CE8E2E-F6E4-4E62-B11A-98E51D887408}" type="slidenum">
               <a:t>&lt;#&gt;</a:t>
             </a:fld>
           </a:p>
@@ -988,7 +988,7 @@
         <p:txBody>
           <a:bodyPr/>
           <a:p>
-            <a:fld id="{9DED3F8A-0043-4629-B030-168D19702796}" type="slidenum">
+            <a:fld id="{56568DB6-CEEF-431F-9784-7D1F15B67C27}" type="slidenum">
               <a:t>&lt;#&gt;</a:t>
             </a:fld>
           </a:p>
@@ -1142,7 +1142,7 @@
         <p:txBody>
           <a:bodyPr/>
           <a:p>
-            <a:fld id="{314590C5-6DC7-423D-9A8B-70B33C8D20E7}" type="slidenum">
+            <a:fld id="{62287DD5-CD21-4706-8445-151968C8D2F0}" type="slidenum">
               <a:t>&lt;#&gt;</a:t>
             </a:fld>
           </a:p>
@@ -1330,7 +1330,7 @@
         <p:txBody>
           <a:bodyPr/>
           <a:p>
-            <a:fld id="{E3B0007C-88EB-4318-8658-0E118BCE7EBD}" type="slidenum">
+            <a:fld id="{919015A8-80F0-4366-B9D6-3AD17E117E44}" type="slidenum">
               <a:t>&lt;#&gt;</a:t>
             </a:fld>
           </a:p>
@@ -1450,7 +1450,7 @@
         <p:txBody>
           <a:bodyPr/>
           <a:p>
-            <a:fld id="{CE186EEF-20A6-4C24-A9E6-609F6F2C0EDA}" type="slidenum">
+            <a:fld id="{B3309460-E707-49F2-89B2-85C058245BD2}" type="slidenum">
               <a:t>&lt;#&gt;</a:t>
             </a:fld>
           </a:p>
@@ -1570,7 +1570,7 @@
         <p:txBody>
           <a:bodyPr/>
           <a:p>
-            <a:fld id="{B47285D0-5D1D-442B-80FD-337E999237E0}" type="slidenum">
+            <a:fld id="{E9F0206B-5CA1-4D52-974D-E9FA55BE663A}" type="slidenum">
               <a:t>&lt;#&gt;</a:t>
             </a:fld>
           </a:p>
@@ -1792,7 +1792,7 @@
         <p:txBody>
           <a:bodyPr/>
           <a:p>
-            <a:fld id="{759A5787-17EA-4294-AE2E-4163B194215E}" type="slidenum">
+            <a:fld id="{3CF8A357-BA60-44C8-912A-C01B861458A0}" type="slidenum">
               <a:t>&lt;#&gt;</a:t>
             </a:fld>
           </a:p>
@@ -2014,7 +2014,7 @@
         <p:txBody>
           <a:bodyPr/>
           <a:p>
-            <a:fld id="{8C7014FE-E73D-44C4-B7EE-CD9683B66798}" type="slidenum">
+            <a:fld id="{D5ECA8DB-CE49-4E22-B527-178C9DC9C444}" type="slidenum">
               <a:t>&lt;#&gt;</a:t>
             </a:fld>
           </a:p>
@@ -2236,7 +2236,7 @@
         <p:txBody>
           <a:bodyPr/>
           <a:p>
-            <a:fld id="{B5579F19-67E7-42C4-9B7E-BD0D623AF60E}" type="slidenum">
+            <a:fld id="{26F32B5A-4FAF-472D-940D-7F26730E7ABD}" type="slidenum">
               <a:t>&lt;#&gt;</a:t>
             </a:fld>
           </a:p>
@@ -2306,7 +2306,7 @@
         <p:spPr>
           <a:xfrm>
             <a:off x="3029040" y="4767120"/>
-            <a:ext cx="3081960" cy="269640"/>
+            <a:ext cx="3084120" cy="271800"/>
           </a:xfrm>
           <a:prstGeom prst="rect">
             <a:avLst/>
@@ -2342,7 +2342,7 @@
               <a:rPr b="0" lang="en-US" sz="1400" spc="-1" strike="noStrike">
                 <a:latin typeface="Times New Roman"/>
               </a:rPr>
-              <a:t>&lt;footer&gt;</a:t>
+              <a:t> </a:t>
             </a:r>
             <a:endParaRPr b="0" lang="en-US" sz="1400" spc="-1" strike="noStrike">
               <a:latin typeface="Times New Roman"/>
@@ -2363,7 +2363,7 @@
         <p:spPr>
           <a:xfrm>
             <a:off x="6458040" y="4767120"/>
-            <a:ext cx="2053080" cy="269640"/>
+            <a:ext cx="2055240" cy="271800"/>
           </a:xfrm>
           <a:prstGeom prst="rect">
             <a:avLst/>
@@ -2398,7 +2398,7 @@
               </a:lnSpc>
               <a:buNone/>
             </a:pPr>
-            <a:fld id="{3BC39E4B-1BF0-4DFA-8ED3-3984E85C5C66}" type="slidenum">
+            <a:fld id="{FD9DC2A3-799F-432C-B074-924E7256EB75}" type="slidenum">
               <a:rPr b="0" lang="en-US" sz="900" spc="-1" strike="noStrike">
                 <a:solidFill>
                   <a:srgbClr val="8b8b8b"/>
@@ -2426,7 +2426,7 @@
         <p:spPr>
           <a:xfrm>
             <a:off x="628560" y="4767120"/>
-            <a:ext cx="2053080" cy="269640"/>
+            <a:ext cx="2055240" cy="271800"/>
           </a:xfrm>
           <a:prstGeom prst="rect">
             <a:avLst/>
@@ -2732,7 +2732,7 @@
         <p:spPr>
           <a:xfrm>
             <a:off x="463680" y="490320"/>
-            <a:ext cx="4761360" cy="776880"/>
+            <a:ext cx="4763520" cy="779040"/>
           </a:xfrm>
           <a:prstGeom prst="rect">
             <a:avLst/>
@@ -2784,7 +2784,7 @@
         <p:spPr>
           <a:xfrm>
             <a:off x="497880" y="1319760"/>
-            <a:ext cx="4726800" cy="3440880"/>
+            <a:ext cx="4728960" cy="3443040"/>
           </a:xfrm>
           <a:prstGeom prst="rect">
             <a:avLst/>
@@ -2836,7 +2836,7 @@
         <p:spPr>
           <a:xfrm>
             <a:off x="5486760" y="0"/>
-            <a:ext cx="3955320" cy="5139360"/>
+            <a:ext cx="3957480" cy="5141520"/>
           </a:xfrm>
           <a:prstGeom prst="roundRect">
             <a:avLst>
